--- a/flyer/flyer.pptx
+++ b/flyer/flyer.pptx
@@ -5,10 +5,11 @@
     <p:sldMasterId id="2147483672" r:id="rId1"/>
   </p:sldMasterIdLst>
   <p:notesMasterIdLst>
-    <p:notesMasterId r:id="rId3"/>
+    <p:notesMasterId r:id="rId4"/>
   </p:notesMasterIdLst>
   <p:sldIdLst>
     <p:sldId id="256" r:id="rId2"/>
+    <p:sldId id="257" r:id="rId3"/>
   </p:sldIdLst>
   <p:sldSz cx="6858000" cy="9144000" type="screen4x3"/>
   <p:notesSz cx="6858000" cy="9144000"/>
@@ -3393,6 +3394,16 @@
 <file path=ppt/slides/slide1.xml><?xml version="1.0" encoding="utf-8"?>
 <p:sld xmlns:a="http://schemas.openxmlformats.org/drawingml/2006/main" xmlns:r="http://schemas.openxmlformats.org/officeDocument/2006/relationships" xmlns:p="http://schemas.openxmlformats.org/presentationml/2006/main">
   <p:cSld>
+    <p:bg>
+      <p:bgPr>
+        <a:solidFill>
+          <a:schemeClr val="tx1">
+            <a:alpha val="3000"/>
+          </a:schemeClr>
+        </a:solidFill>
+        <a:effectLst/>
+      </p:bgPr>
+    </p:bg>
     <p:spTree>
       <p:nvGrpSpPr>
         <p:cNvPr id="1" name=""/>
@@ -3429,7 +3440,7 @@
           </a:prstGeom>
           <a:solidFill>
             <a:schemeClr val="bg1">
-              <a:lumMod val="95000"/>
+              <a:lumMod val="85000"/>
             </a:schemeClr>
           </a:solidFill>
           <a:ln>
@@ -3463,6 +3474,63 @@
       </p:sp>
       <p:sp>
         <p:nvSpPr>
+          <p:cNvPr id="2" name="Rechteck 1">
+            <a:extLst>
+              <a:ext uri="{FF2B5EF4-FFF2-40B4-BE49-F238E27FC236}">
+                <a16:creationId xmlns:a16="http://schemas.microsoft.com/office/drawing/2014/main" id="{E2615716-3072-4D02-A63C-F2E0BC29633A}"/>
+              </a:ext>
+            </a:extLst>
+          </p:cNvPr>
+          <p:cNvSpPr/>
+          <p:nvPr/>
+        </p:nvSpPr>
+        <p:spPr>
+          <a:xfrm>
+            <a:off x="-14822" y="8758907"/>
+            <a:ext cx="6867688" cy="383620"/>
+          </a:xfrm>
+          <a:prstGeom prst="rect">
+            <a:avLst/>
+          </a:prstGeom>
+          <a:solidFill>
+            <a:schemeClr val="accent1">
+              <a:lumMod val="20000"/>
+              <a:lumOff val="80000"/>
+            </a:schemeClr>
+          </a:solidFill>
+          <a:ln>
+            <a:noFill/>
+          </a:ln>
+        </p:spPr>
+        <p:style>
+          <a:lnRef idx="2">
+            <a:schemeClr val="accent1">
+              <a:shade val="50000"/>
+            </a:schemeClr>
+          </a:lnRef>
+          <a:fillRef idx="1">
+            <a:schemeClr val="accent1"/>
+          </a:fillRef>
+          <a:effectRef idx="0">
+            <a:schemeClr val="accent1"/>
+          </a:effectRef>
+          <a:fontRef idx="minor">
+            <a:schemeClr val="lt1"/>
+          </a:fontRef>
+        </p:style>
+        <p:txBody>
+          <a:bodyPr rtlCol="0" anchor="ctr"/>
+          <a:lstStyle/>
+          <a:p>
+            <a:pPr algn="ctr"/>
+            <a:endParaRPr lang="de-DE">
+              <a:latin typeface="Sitka Heading" panose="02000505000000020004" pitchFamily="2" charset="0"/>
+            </a:endParaRPr>
+          </a:p>
+        </p:txBody>
+      </p:sp>
+      <p:sp>
+        <p:nvSpPr>
           <p:cNvPr id="30" name="Rechteck 29">
             <a:extLst>
               <a:ext uri="{FF2B5EF4-FFF2-40B4-BE49-F238E27FC236}">
@@ -3475,8 +3543,8 @@
         </p:nvSpPr>
         <p:spPr>
           <a:xfrm>
-            <a:off x="-9688" y="1052645"/>
-            <a:ext cx="6867688" cy="783647"/>
+            <a:off x="-9688" y="1052646"/>
+            <a:ext cx="6867688" cy="614558"/>
           </a:xfrm>
           <a:prstGeom prst="rect">
             <a:avLst/>
@@ -3646,7 +3714,7 @@
         </p:nvSpPr>
         <p:spPr>
           <a:xfrm>
-            <a:off x="291070" y="203507"/>
+            <a:off x="706414" y="174143"/>
             <a:ext cx="5944090" cy="707886"/>
           </a:xfrm>
           <a:prstGeom prst="rect">
@@ -3689,7 +3757,7 @@
         </p:nvSpPr>
         <p:spPr>
           <a:xfrm>
-            <a:off x="235679" y="1171649"/>
+            <a:off x="120650" y="1095273"/>
             <a:ext cx="6596744" cy="523220"/>
           </a:xfrm>
           <a:prstGeom prst="rect">
@@ -3754,8 +3822,8 @@
         </p:nvSpPr>
         <p:spPr>
           <a:xfrm>
-            <a:off x="868829" y="1862145"/>
-            <a:ext cx="5274891" cy="5401479"/>
+            <a:off x="525929" y="1700387"/>
+            <a:ext cx="6145764" cy="5647700"/>
           </a:xfrm>
           <a:prstGeom prst="rect">
             <a:avLst/>
@@ -3769,12 +3837,12 @@
           <a:lstStyle/>
           <a:p>
             <a:r>
-              <a:rPr lang="de-DE" sz="1400" b="1" dirty="0">
+              <a:rPr lang="de-DE" sz="1500" b="1" dirty="0">
                 <a:latin typeface="Sitka Heading" panose="02000505000000020004" pitchFamily="2" charset="0"/>
               </a:rPr>
               <a:t>Vereine/Initiativen</a:t>
             </a:r>
-            <a:endParaRPr lang="de-DE" sz="1400" dirty="0">
+            <a:endParaRPr lang="de-DE" sz="1500" dirty="0">
               <a:latin typeface="Sitka Heading" panose="02000505000000020004" pitchFamily="2" charset="0"/>
             </a:endParaRPr>
           </a:p>
@@ -3875,30 +3943,62 @@
             </a:r>
           </a:p>
           <a:p>
+            <a:r>
+              <a:rPr lang="de-DE" sz="1500" b="1" dirty="0">
+                <a:latin typeface="Sitka Heading" panose="02000505000000020004" pitchFamily="2" charset="0"/>
+              </a:rPr>
+              <a:t>Unabhängige Journalisten</a:t>
+            </a:r>
+            <a:r>
+              <a:rPr lang="de-DE" sz="1500" dirty="0">
+                <a:latin typeface="Sitka Heading" panose="02000505000000020004" pitchFamily="2" charset="0"/>
+              </a:rPr>
+              <a:t>							</a:t>
+            </a:r>
+          </a:p>
+          <a:p>
+            <a:r>
+              <a:rPr lang="de-DE" sz="1100" dirty="0">
+                <a:latin typeface="Sitka Heading" panose="02000505000000020004" pitchFamily="2" charset="0"/>
+              </a:rPr>
+              <a:t>Bittel TV						bittel.tv	</a:t>
+            </a:r>
+          </a:p>
+          <a:p>
+            <a:r>
+              <a:rPr lang="de-DE" sz="1100" dirty="0">
+                <a:latin typeface="Sitka Heading" panose="02000505000000020004" pitchFamily="2" charset="0"/>
+              </a:rPr>
+              <a:t>Kai </a:t>
+            </a:r>
+            <a:r>
+              <a:rPr lang="de-DE" sz="1100" dirty="0" err="1">
+                <a:latin typeface="Sitka Heading" panose="02000505000000020004" pitchFamily="2" charset="0"/>
+              </a:rPr>
+              <a:t>Stuht</a:t>
+            </a:r>
+            <a:r>
+              <a:rPr lang="de-DE" sz="1100" dirty="0">
+                <a:latin typeface="Sitka Heading" panose="02000505000000020004" pitchFamily="2" charset="0"/>
+              </a:rPr>
+              <a:t>						Telegram: Kai </a:t>
+            </a:r>
+            <a:r>
+              <a:rPr lang="de-DE" sz="1100" dirty="0" err="1">
+                <a:latin typeface="Sitka Heading" panose="02000505000000020004" pitchFamily="2" charset="0"/>
+              </a:rPr>
+              <a:t>Stuht</a:t>
+            </a:r>
             <a:endParaRPr lang="de-DE" sz="1100" dirty="0">
               <a:latin typeface="Sitka Heading" panose="02000505000000020004" pitchFamily="2" charset="0"/>
             </a:endParaRPr>
           </a:p>
           <a:p>
             <a:r>
-              <a:rPr lang="de-DE" sz="1400" b="1" dirty="0">
-                <a:latin typeface="Sitka Heading" panose="02000505000000020004" pitchFamily="2" charset="0"/>
-              </a:rPr>
-              <a:t>Unabhängige Journalisten</a:t>
-            </a:r>
-            <a:r>
-              <a:rPr lang="de-DE" sz="1400" dirty="0">
-                <a:latin typeface="Sitka Heading" panose="02000505000000020004" pitchFamily="2" charset="0"/>
-              </a:rPr>
-              <a:t>							</a:t>
-            </a:r>
-          </a:p>
-          <a:p>
-            <a:r>
               <a:rPr lang="de-DE" sz="1100" dirty="0">
                 <a:latin typeface="Sitka Heading" panose="02000505000000020004" pitchFamily="2" charset="0"/>
               </a:rPr>
-              <a:t>Bittel TV						bittel.tv	</a:t>
+              <a:t>Boris Reitschuster					reitschuster.de</a:t>
             </a:r>
           </a:p>
           <a:p>
@@ -3906,25 +4006,33 @@
               <a:rPr lang="de-DE" sz="1100" dirty="0">
                 <a:latin typeface="Sitka Heading" panose="02000505000000020004" pitchFamily="2" charset="0"/>
               </a:rPr>
-              <a:t>Kai </a:t>
+              <a:t>Martin Lejeune						</a:t>
             </a:r>
             <a:r>
               <a:rPr lang="de-DE" sz="1100" dirty="0" err="1">
                 <a:latin typeface="Sitka Heading" panose="02000505000000020004" pitchFamily="2" charset="0"/>
               </a:rPr>
-              <a:t>Stuht</a:t>
+              <a:t>Youtube</a:t>
             </a:r>
             <a:r>
               <a:rPr lang="de-DE" sz="1100" dirty="0">
                 <a:latin typeface="Sitka Heading" panose="02000505000000020004" pitchFamily="2" charset="0"/>
               </a:rPr>
-              <a:t>						Telegram: Kai </a:t>
+              <a:t>: Martin und Anni</a:t>
+            </a:r>
+          </a:p>
+          <a:p>
+            <a:r>
+              <a:rPr lang="de-DE" sz="1100" dirty="0">
+                <a:latin typeface="Sitka Heading" panose="02000505000000020004" pitchFamily="2" charset="0"/>
+              </a:rPr>
+              <a:t>Rubikon						</a:t>
             </a:r>
             <a:r>
               <a:rPr lang="de-DE" sz="1100" dirty="0" err="1">
                 <a:latin typeface="Sitka Heading" panose="02000505000000020004" pitchFamily="2" charset="0"/>
               </a:rPr>
-              <a:t>Stuht</a:t>
+              <a:t>rubikon.news</a:t>
             </a:r>
             <a:endParaRPr lang="de-DE" sz="1100" dirty="0">
               <a:latin typeface="Sitka Heading" panose="02000505000000020004" pitchFamily="2" charset="0"/>
@@ -3935,7 +4043,7 @@
               <a:rPr lang="de-DE" sz="1100" dirty="0">
                 <a:latin typeface="Sitka Heading" panose="02000505000000020004" pitchFamily="2" charset="0"/>
               </a:rPr>
-              <a:t>Boris Reitschuster					reitschuster.de</a:t>
+              <a:t>Samuel Eckert						Telegram: Samuel Eckert</a:t>
             </a:r>
           </a:p>
           <a:p>
@@ -3943,33 +4051,80 @@
               <a:rPr lang="de-DE" sz="1100" dirty="0">
                 <a:latin typeface="Sitka Heading" panose="02000505000000020004" pitchFamily="2" charset="0"/>
               </a:rPr>
-              <a:t>Martin Lejeune						</a:t>
+              <a:t>KenFM							kenfm.de</a:t>
+            </a:r>
+          </a:p>
+          <a:p>
+            <a:r>
+              <a:rPr lang="de-DE" sz="1500" b="1" dirty="0">
+                <a:latin typeface="Sitka Heading" panose="02000505000000020004" pitchFamily="2" charset="0"/>
+              </a:rPr>
+              <a:t>Mediziner</a:t>
+            </a:r>
+            <a:endParaRPr lang="de-DE" sz="1500" dirty="0">
+              <a:latin typeface="Sitka Heading" panose="02000505000000020004" pitchFamily="2" charset="0"/>
+            </a:endParaRPr>
+          </a:p>
+          <a:p>
+            <a:r>
+              <a:rPr lang="de-DE" sz="1100" dirty="0">
+                <a:latin typeface="Sitka Heading" panose="02000505000000020004" pitchFamily="2" charset="0"/>
+              </a:rPr>
+              <a:t>Dr. </a:t>
             </a:r>
             <a:r>
               <a:rPr lang="de-DE" sz="1100" dirty="0" err="1">
                 <a:latin typeface="Sitka Heading" panose="02000505000000020004" pitchFamily="2" charset="0"/>
               </a:rPr>
+              <a:t>Sucharit</a:t>
+            </a:r>
+            <a:r>
+              <a:rPr lang="de-DE" sz="1100" dirty="0">
+                <a:latin typeface="Sitka Heading" panose="02000505000000020004" pitchFamily="2" charset="0"/>
+              </a:rPr>
+              <a:t> </a:t>
+            </a:r>
+            <a:r>
+              <a:rPr lang="de-DE" sz="1100" dirty="0" err="1">
+                <a:latin typeface="Sitka Heading" panose="02000505000000020004" pitchFamily="2" charset="0"/>
+              </a:rPr>
+              <a:t>Bhakdi</a:t>
+            </a:r>
+            <a:r>
+              <a:rPr lang="de-DE" sz="1100" dirty="0">
+                <a:latin typeface="Sitka Heading" panose="02000505000000020004" pitchFamily="2" charset="0"/>
+              </a:rPr>
+              <a:t>					</a:t>
+            </a:r>
+            <a:r>
+              <a:rPr lang="de-DE" sz="1100" dirty="0" err="1">
+                <a:latin typeface="Sitka Heading" panose="02000505000000020004" pitchFamily="2" charset="0"/>
+              </a:rPr>
               <a:t>Youtube</a:t>
             </a:r>
             <a:r>
               <a:rPr lang="de-DE" sz="1100" dirty="0">
                 <a:latin typeface="Sitka Heading" panose="02000505000000020004" pitchFamily="2" charset="0"/>
               </a:rPr>
-              <a:t>: Martin und Anni</a:t>
-            </a:r>
-          </a:p>
-          <a:p>
+              <a:t>: </a:t>
+            </a:r>
+            <a:r>
+              <a:rPr lang="de-DE" sz="1100" dirty="0" err="1">
+                <a:latin typeface="Sitka Heading" panose="02000505000000020004" pitchFamily="2" charset="0"/>
+              </a:rPr>
+              <a:t>Sucharit</a:t>
+            </a:r>
             <a:r>
               <a:rPr lang="de-DE" sz="1100" dirty="0">
                 <a:latin typeface="Sitka Heading" panose="02000505000000020004" pitchFamily="2" charset="0"/>
               </a:rPr>
-              <a:t>Rubikon						</a:t>
+              <a:t> </a:t>
             </a:r>
             <a:r>
               <a:rPr lang="de-DE" sz="1100" dirty="0" err="1">
                 <a:latin typeface="Sitka Heading" panose="02000505000000020004" pitchFamily="2" charset="0"/>
               </a:rPr>
-              <a:t>rubikon.news</a:t>
+              <a:t>Bhakdi</a:t>
             </a:r>
             <a:endParaRPr lang="de-DE" sz="1100" dirty="0">
               <a:latin typeface="Sitka Heading" panose="02000505000000020004" pitchFamily="2" charset="0"/>
@@ -3980,21 +4135,19 @@
               <a:rPr lang="de-DE" sz="1100" dirty="0">
                 <a:latin typeface="Sitka Heading" panose="02000505000000020004" pitchFamily="2" charset="0"/>
               </a:rPr>
-              <a:t>Samuel Eckert						Telegram: Samuel Eckert</a:t>
-            </a:r>
-          </a:p>
-          <a:p>
+              <a:t>Dr. Wolfang </a:t>
+            </a:r>
             <a:r>
               <a:rPr lang="de-DE" sz="1100" dirty="0" err="1">
                 <a:latin typeface="Sitka Heading" panose="02000505000000020004" pitchFamily="2" charset="0"/>
               </a:rPr>
-              <a:t>SchrangTV</a:t>
+              <a:t>Wodarg</a:t>
             </a:r>
             <a:r>
               <a:rPr lang="de-DE" sz="1100" dirty="0">
                 <a:latin typeface="Sitka Heading" panose="02000505000000020004" pitchFamily="2" charset="0"/>
               </a:rPr>
-              <a:t>						heikoschrang.de</a:t>
+              <a:t>					wodarg.com</a:t>
             </a:r>
           </a:p>
           <a:p>
@@ -4002,20 +4155,125 @@
               <a:rPr lang="de-DE" sz="1100" dirty="0">
                 <a:latin typeface="Sitka Heading" panose="02000505000000020004" pitchFamily="2" charset="0"/>
               </a:rPr>
-              <a:t>KenFM							kenfm.de</a:t>
-            </a:r>
-          </a:p>
-          <a:p>
+              <a:t>Dr. Claus Köhnlein					</a:t>
+            </a:r>
+            <a:r>
+              <a:rPr lang="de-DE" sz="1100" dirty="0" err="1">
+                <a:latin typeface="Sitka Heading" panose="02000505000000020004" pitchFamily="2" charset="0"/>
+              </a:rPr>
+              <a:t>Youtube</a:t>
+            </a:r>
+            <a:r>
+              <a:rPr lang="de-DE" sz="1100" dirty="0">
+                <a:latin typeface="Sitka Heading" panose="02000505000000020004" pitchFamily="2" charset="0"/>
+              </a:rPr>
+              <a:t>: Dr. Claus Köhnlein</a:t>
+            </a:r>
+          </a:p>
+          <a:p>
+            <a:r>
+              <a:rPr lang="de-DE" sz="1100" dirty="0">
+                <a:latin typeface="Sitka Heading" panose="02000505000000020004" pitchFamily="2" charset="0"/>
+              </a:rPr>
+              <a:t>Dr. John Ioannidis					</a:t>
+            </a:r>
+            <a:r>
+              <a:rPr lang="de-DE" sz="1100" dirty="0" err="1">
+                <a:latin typeface="Sitka Heading" panose="02000505000000020004" pitchFamily="2" charset="0"/>
+              </a:rPr>
+              <a:t>Youtube</a:t>
+            </a:r>
+            <a:r>
+              <a:rPr lang="de-DE" sz="1100" dirty="0">
+                <a:latin typeface="Sitka Heading" panose="02000505000000020004" pitchFamily="2" charset="0"/>
+              </a:rPr>
+              <a:t>: Dr. John Ioannidis</a:t>
+            </a:r>
+          </a:p>
+          <a:p>
+            <a:r>
+              <a:rPr lang="de-DE" sz="1500" b="1" dirty="0">
+                <a:latin typeface="Sitka Heading" panose="02000505000000020004" pitchFamily="2" charset="0"/>
+              </a:rPr>
+              <a:t>Rechtsanwälte</a:t>
+            </a:r>
+            <a:endParaRPr lang="de-DE" sz="1500" dirty="0">
+              <a:latin typeface="Sitka Heading" panose="02000505000000020004" pitchFamily="2" charset="0"/>
+            </a:endParaRPr>
+          </a:p>
+          <a:p>
+            <a:r>
+              <a:rPr lang="de-DE" sz="1100" dirty="0">
+                <a:latin typeface="Sitka Heading" panose="02000505000000020004" pitchFamily="2" charset="0"/>
+              </a:rPr>
+              <a:t>Markus </a:t>
+            </a:r>
+            <a:r>
+              <a:rPr lang="de-DE" sz="1100" dirty="0" err="1">
+                <a:latin typeface="Sitka Heading" panose="02000505000000020004" pitchFamily="2" charset="0"/>
+              </a:rPr>
+              <a:t>Haintz</a:t>
+            </a:r>
+            <a:r>
+              <a:rPr lang="de-DE" sz="1100" dirty="0">
+                <a:latin typeface="Sitka Heading" panose="02000505000000020004" pitchFamily="2" charset="0"/>
+              </a:rPr>
+              <a:t>						Telegram: RA Markus </a:t>
+            </a:r>
+            <a:r>
+              <a:rPr lang="de-DE" sz="1100" dirty="0" err="1">
+                <a:latin typeface="Sitka Heading" panose="02000505000000020004" pitchFamily="2" charset="0"/>
+              </a:rPr>
+              <a:t>Haintz</a:t>
+            </a:r>
             <a:endParaRPr lang="de-DE" sz="1100" dirty="0">
               <a:latin typeface="Sitka Heading" panose="02000505000000020004" pitchFamily="2" charset="0"/>
             </a:endParaRPr>
           </a:p>
           <a:p>
             <a:r>
-              <a:rPr lang="de-DE" sz="1400" b="1" dirty="0">
-                <a:latin typeface="Sitka Heading" panose="02000505000000020004" pitchFamily="2" charset="0"/>
-              </a:rPr>
-              <a:t>Mediziner</a:t>
+              <a:rPr lang="de-DE" sz="1100" dirty="0">
+                <a:latin typeface="Sitka Heading" panose="02000505000000020004" pitchFamily="2" charset="0"/>
+              </a:rPr>
+              <a:t>Ralf Ludwig						Mitglied bei Klagepaten</a:t>
+            </a:r>
+          </a:p>
+          <a:p>
+            <a:r>
+              <a:rPr lang="de-DE" sz="1100" dirty="0">
+                <a:latin typeface="Sitka Heading" panose="02000505000000020004" pitchFamily="2" charset="0"/>
+              </a:rPr>
+              <a:t>Dr. Reiner </a:t>
+            </a:r>
+            <a:r>
+              <a:rPr lang="de-DE" sz="1100" dirty="0" err="1">
+                <a:latin typeface="Sitka Heading" panose="02000505000000020004" pitchFamily="2" charset="0"/>
+              </a:rPr>
+              <a:t>Fuellmich</a:t>
+            </a:r>
+            <a:r>
+              <a:rPr lang="de-DE" sz="1100" dirty="0">
+                <a:latin typeface="Sitka Heading" panose="02000505000000020004" pitchFamily="2" charset="0"/>
+              </a:rPr>
+              <a:t>					</a:t>
+            </a:r>
+            <a:r>
+              <a:rPr lang="de-DE" sz="1100" dirty="0" err="1">
+                <a:latin typeface="Sitka Heading" panose="02000505000000020004" pitchFamily="2" charset="0"/>
+              </a:rPr>
+              <a:t>Youtube</a:t>
+            </a:r>
+            <a:r>
+              <a:rPr lang="de-DE" sz="1100" dirty="0">
+                <a:latin typeface="Sitka Heading" panose="02000505000000020004" pitchFamily="2" charset="0"/>
+              </a:rPr>
+              <a:t>: Dr. Reiner </a:t>
+            </a:r>
+            <a:r>
+              <a:rPr lang="de-DE" sz="1100" dirty="0" err="1">
+                <a:latin typeface="Sitka Heading" panose="02000505000000020004" pitchFamily="2" charset="0"/>
+              </a:rPr>
+              <a:t>Fuellmich</a:t>
             </a:r>
             <a:endParaRPr lang="de-DE" sz="1100" dirty="0">
               <a:latin typeface="Sitka Heading" panose="02000505000000020004" pitchFamily="2" charset="0"/>
@@ -4023,202 +4281,36 @@
           </a:p>
           <a:p>
             <a:r>
-              <a:rPr lang="de-DE" sz="1100" dirty="0">
-                <a:latin typeface="Sitka Heading" panose="02000505000000020004" pitchFamily="2" charset="0"/>
-              </a:rPr>
-              <a:t>Dr. </a:t>
-            </a:r>
-            <a:r>
-              <a:rPr lang="de-DE" sz="1100" dirty="0" err="1">
-                <a:latin typeface="Sitka Heading" panose="02000505000000020004" pitchFamily="2" charset="0"/>
-              </a:rPr>
-              <a:t>Sucharit</a:t>
-            </a:r>
-            <a:r>
-              <a:rPr lang="de-DE" sz="1100" dirty="0">
-                <a:latin typeface="Sitka Heading" panose="02000505000000020004" pitchFamily="2" charset="0"/>
-              </a:rPr>
-              <a:t> </a:t>
-            </a:r>
-            <a:r>
-              <a:rPr lang="de-DE" sz="1100" dirty="0" err="1">
-                <a:latin typeface="Sitka Heading" panose="02000505000000020004" pitchFamily="2" charset="0"/>
-              </a:rPr>
-              <a:t>Bhakdi</a:t>
-            </a:r>
-            <a:r>
-              <a:rPr lang="de-DE" sz="1100" dirty="0">
-                <a:latin typeface="Sitka Heading" panose="02000505000000020004" pitchFamily="2" charset="0"/>
-              </a:rPr>
-              <a:t>					</a:t>
-            </a:r>
-            <a:r>
-              <a:rPr lang="de-DE" sz="1100" dirty="0" err="1">
-                <a:latin typeface="Sitka Heading" panose="02000505000000020004" pitchFamily="2" charset="0"/>
-              </a:rPr>
-              <a:t>Youtube</a:t>
-            </a:r>
-            <a:r>
-              <a:rPr lang="de-DE" sz="1100" dirty="0">
-                <a:latin typeface="Sitka Heading" panose="02000505000000020004" pitchFamily="2" charset="0"/>
-              </a:rPr>
-              <a:t>: </a:t>
-            </a:r>
-            <a:r>
-              <a:rPr lang="de-DE" sz="1100" dirty="0" err="1">
-                <a:latin typeface="Sitka Heading" panose="02000505000000020004" pitchFamily="2" charset="0"/>
-              </a:rPr>
-              <a:t>Sucharit</a:t>
-            </a:r>
-            <a:r>
-              <a:rPr lang="de-DE" sz="1100" dirty="0">
-                <a:latin typeface="Sitka Heading" panose="02000505000000020004" pitchFamily="2" charset="0"/>
-              </a:rPr>
-              <a:t> </a:t>
-            </a:r>
-            <a:r>
-              <a:rPr lang="de-DE" sz="1100" dirty="0" err="1">
-                <a:latin typeface="Sitka Heading" panose="02000505000000020004" pitchFamily="2" charset="0"/>
-              </a:rPr>
-              <a:t>Bhakdi</a:t>
-            </a:r>
-            <a:endParaRPr lang="de-DE" sz="1100" dirty="0">
+              <a:rPr lang="de-DE" sz="1500" b="1" dirty="0">
+                <a:latin typeface="Sitka Heading" panose="02000505000000020004" pitchFamily="2" charset="0"/>
+              </a:rPr>
+              <a:t>Dokumentationen</a:t>
+            </a:r>
+            <a:endParaRPr lang="de-DE" sz="1500" dirty="0">
               <a:latin typeface="Sitka Heading" panose="02000505000000020004" pitchFamily="2" charset="0"/>
             </a:endParaRPr>
           </a:p>
           <a:p>
             <a:r>
+              <a:rPr lang="de-DE" sz="1100" dirty="0" err="1">
+                <a:latin typeface="Sitka Heading" panose="02000505000000020004" pitchFamily="2" charset="0"/>
+              </a:rPr>
+              <a:t>Vaxxed</a:t>
+            </a:r>
+            <a:r>
               <a:rPr lang="de-DE" sz="1100" dirty="0">
                 <a:latin typeface="Sitka Heading" panose="02000505000000020004" pitchFamily="2" charset="0"/>
               </a:rPr>
-              <a:t>Dr. Wolfang </a:t>
-            </a:r>
-            <a:r>
-              <a:rPr lang="de-DE" sz="1100" dirty="0" err="1">
-                <a:latin typeface="Sitka Heading" panose="02000505000000020004" pitchFamily="2" charset="0"/>
-              </a:rPr>
-              <a:t>Wodarg</a:t>
-            </a:r>
+              <a:t>							Thema: Impfindustrie</a:t>
+            </a:r>
+          </a:p>
+          <a:p>
             <a:r>
               <a:rPr lang="de-DE" sz="1100" dirty="0">
                 <a:latin typeface="Sitka Heading" panose="02000505000000020004" pitchFamily="2" charset="0"/>
               </a:rPr>
-              <a:t>					wodarg.com</a:t>
-            </a:r>
-          </a:p>
-          <a:p>
-            <a:r>
-              <a:rPr lang="de-DE" sz="1100" dirty="0">
-                <a:latin typeface="Sitka Heading" panose="02000505000000020004" pitchFamily="2" charset="0"/>
-              </a:rPr>
-              <a:t>Dr. Claus Köhnlein					</a:t>
-            </a:r>
-            <a:r>
-              <a:rPr lang="de-DE" sz="1100" dirty="0" err="1">
-                <a:latin typeface="Sitka Heading" panose="02000505000000020004" pitchFamily="2" charset="0"/>
-              </a:rPr>
-              <a:t>Youtube</a:t>
-            </a:r>
-            <a:r>
-              <a:rPr lang="de-DE" sz="1100" dirty="0">
-                <a:latin typeface="Sitka Heading" panose="02000505000000020004" pitchFamily="2" charset="0"/>
-              </a:rPr>
-              <a:t>: Dr. Claus Köhnlein</a:t>
-            </a:r>
-          </a:p>
-          <a:p>
-            <a:endParaRPr lang="de-DE" sz="1100" dirty="0">
-              <a:latin typeface="Sitka Heading" panose="02000505000000020004" pitchFamily="2" charset="0"/>
-            </a:endParaRPr>
-          </a:p>
-          <a:p>
-            <a:r>
-              <a:rPr lang="de-DE" sz="1400" b="1" dirty="0">
-                <a:latin typeface="Sitka Heading" panose="02000505000000020004" pitchFamily="2" charset="0"/>
-              </a:rPr>
-              <a:t>Rechtsanwälte</a:t>
-            </a:r>
-            <a:endParaRPr lang="de-DE" sz="1100" dirty="0">
-              <a:latin typeface="Sitka Heading" panose="02000505000000020004" pitchFamily="2" charset="0"/>
-            </a:endParaRPr>
-          </a:p>
-          <a:p>
-            <a:r>
-              <a:rPr lang="de-DE" sz="1100" dirty="0">
-                <a:latin typeface="Sitka Heading" panose="02000505000000020004" pitchFamily="2" charset="0"/>
-              </a:rPr>
-              <a:t>Markus </a:t>
-            </a:r>
-            <a:r>
-              <a:rPr lang="de-DE" sz="1100" dirty="0" err="1">
-                <a:latin typeface="Sitka Heading" panose="02000505000000020004" pitchFamily="2" charset="0"/>
-              </a:rPr>
-              <a:t>Haintz</a:t>
-            </a:r>
-            <a:r>
-              <a:rPr lang="de-DE" sz="1100" dirty="0">
-                <a:latin typeface="Sitka Heading" panose="02000505000000020004" pitchFamily="2" charset="0"/>
-              </a:rPr>
-              <a:t>						Telegram: RA Markus </a:t>
-            </a:r>
-            <a:r>
-              <a:rPr lang="de-DE" sz="1100" dirty="0" err="1">
-                <a:latin typeface="Sitka Heading" panose="02000505000000020004" pitchFamily="2" charset="0"/>
-              </a:rPr>
-              <a:t>Haintz</a:t>
-            </a:r>
-            <a:endParaRPr lang="de-DE" sz="1100" dirty="0">
-              <a:latin typeface="Sitka Heading" panose="02000505000000020004" pitchFamily="2" charset="0"/>
-            </a:endParaRPr>
-          </a:p>
-          <a:p>
-            <a:r>
-              <a:rPr lang="de-DE" sz="1100" dirty="0">
-                <a:latin typeface="Sitka Heading" panose="02000505000000020004" pitchFamily="2" charset="0"/>
-              </a:rPr>
-              <a:t>Ralf Ludwig						Mitglied bei Klagepaten</a:t>
-            </a:r>
-          </a:p>
-          <a:p>
-            <a:r>
-              <a:rPr lang="de-DE" sz="1100" dirty="0">
-                <a:latin typeface="Sitka Heading" panose="02000505000000020004" pitchFamily="2" charset="0"/>
-              </a:rPr>
-              <a:t>Dr. Reiner </a:t>
-            </a:r>
-            <a:r>
-              <a:rPr lang="de-DE" sz="1100" dirty="0" err="1">
-                <a:latin typeface="Sitka Heading" panose="02000505000000020004" pitchFamily="2" charset="0"/>
-              </a:rPr>
-              <a:t>Fuellmich</a:t>
-            </a:r>
-            <a:r>
-              <a:rPr lang="de-DE" sz="1100" dirty="0">
-                <a:latin typeface="Sitka Heading" panose="02000505000000020004" pitchFamily="2" charset="0"/>
-              </a:rPr>
-              <a:t>					</a:t>
-            </a:r>
-            <a:r>
-              <a:rPr lang="de-DE" sz="1100" dirty="0" err="1">
-                <a:latin typeface="Sitka Heading" panose="02000505000000020004" pitchFamily="2" charset="0"/>
-              </a:rPr>
-              <a:t>Youtube</a:t>
-            </a:r>
-            <a:r>
-              <a:rPr lang="de-DE" sz="1100" dirty="0">
-                <a:latin typeface="Sitka Heading" panose="02000505000000020004" pitchFamily="2" charset="0"/>
-              </a:rPr>
-              <a:t>: Dr. Reiner </a:t>
-            </a:r>
-            <a:r>
-              <a:rPr lang="de-DE" sz="1100" dirty="0" err="1">
-                <a:latin typeface="Sitka Heading" panose="02000505000000020004" pitchFamily="2" charset="0"/>
-              </a:rPr>
-              <a:t>Fuellmich</a:t>
-            </a:r>
-            <a:endParaRPr lang="de-DE" sz="1100" dirty="0">
-              <a:latin typeface="Sitka Heading" panose="02000505000000020004" pitchFamily="2" charset="0"/>
-            </a:endParaRPr>
+              <a:t>Die Profiteure der Angst				Thema: Das Geschäft mit der Schweinegrippe</a:t>
+            </a:r>
           </a:p>
         </p:txBody>
       </p:sp>
@@ -4236,7 +4328,7 @@
         </p:nvSpPr>
         <p:spPr>
           <a:xfrm>
-            <a:off x="226062" y="7231835"/>
+            <a:off x="159515" y="7231835"/>
             <a:ext cx="6538970" cy="877163"/>
           </a:xfrm>
           <a:prstGeom prst="rect">
@@ -4333,8 +4425,8 @@
         </p:nvSpPr>
         <p:spPr>
           <a:xfrm>
-            <a:off x="820942" y="8201842"/>
-            <a:ext cx="5944090" cy="492443"/>
+            <a:off x="608250" y="8203592"/>
+            <a:ext cx="6295251" cy="492443"/>
           </a:xfrm>
           <a:prstGeom prst="rect">
             <a:avLst/>
@@ -4358,7 +4450,19 @@
               <a:rPr lang="de-DE" sz="1300" dirty="0">
                 <a:latin typeface="Sitka Heading" panose="02000505000000020004" pitchFamily="2" charset="0"/>
               </a:rPr>
-              <a:t> ist eine App, in der Du Informationen abseits der Hauptmedien finden kannst. Du findest Telegram in den App Stores oder unter </a:t>
+              <a:t> ist eine Chat- und </a:t>
+            </a:r>
+            <a:r>
+              <a:rPr lang="de-DE" sz="1300" dirty="0" err="1">
+                <a:latin typeface="Sitka Heading" panose="02000505000000020004" pitchFamily="2" charset="0"/>
+              </a:rPr>
+              <a:t>Medienapp</a:t>
+            </a:r>
+            <a:r>
+              <a:rPr lang="de-DE" sz="1300" dirty="0">
+                <a:latin typeface="Sitka Heading" panose="02000505000000020004" pitchFamily="2" charset="0"/>
+              </a:rPr>
+              <a:t>, in der Du Informationen abseits der Haupt-medien finden kannst. Du findest Telegram in App Stores oder unter </a:t>
             </a:r>
             <a:r>
               <a:rPr lang="de-DE" sz="1300" b="1" dirty="0">
@@ -4383,7 +4487,7 @@
         </p:nvSpPr>
         <p:spPr>
           <a:xfrm>
-            <a:off x="1077634" y="8748254"/>
+            <a:off x="816142" y="8781440"/>
             <a:ext cx="5040162" cy="338554"/>
           </a:xfrm>
           <a:prstGeom prst="rect">
@@ -4438,7 +4542,7 @@
         </p:nvCxnSpPr>
         <p:spPr>
           <a:xfrm>
-            <a:off x="-12700" y="1846043"/>
+            <a:off x="-12700" y="1668243"/>
             <a:ext cx="6870700" cy="0"/>
           </a:xfrm>
           <a:prstGeom prst="line">
@@ -4477,7 +4581,7 @@
         </p:nvCxnSpPr>
         <p:spPr>
           <a:xfrm>
-            <a:off x="-12700" y="8739126"/>
+            <a:off x="-12700" y="8777226"/>
             <a:ext cx="6870700" cy="0"/>
           </a:xfrm>
           <a:prstGeom prst="line">
@@ -4528,7 +4632,7 @@
         </p:blipFill>
         <p:spPr>
           <a:xfrm>
-            <a:off x="408346" y="8239095"/>
+            <a:off x="312289" y="8251717"/>
             <a:ext cx="412596" cy="412596"/>
           </a:xfrm>
           <a:prstGeom prst="rect">
@@ -4564,7 +4668,7 @@
         </p:blipFill>
         <p:spPr>
           <a:xfrm>
-            <a:off x="6203687" y="385093"/>
+            <a:off x="418407" y="344553"/>
             <a:ext cx="337478" cy="337478"/>
           </a:xfrm>
           <a:prstGeom prst="rect">
@@ -4608,10 +4712,164 @@
           </a:p>
         </p:txBody>
       </p:sp>
+      <p:pic>
+        <p:nvPicPr>
+          <p:cNvPr id="6" name="Grafik 5">
+            <a:extLst>
+              <a:ext uri="{FF2B5EF4-FFF2-40B4-BE49-F238E27FC236}">
+                <a16:creationId xmlns:a16="http://schemas.microsoft.com/office/drawing/2014/main" id="{4C35A9F2-8806-47F2-8E41-21DC1F6893EC}"/>
+              </a:ext>
+            </a:extLst>
+          </p:cNvPr>
+          <p:cNvPicPr>
+            <a:picLocks noChangeAspect="1"/>
+          </p:cNvPicPr>
+          <p:nvPr/>
+        </p:nvPicPr>
+        <p:blipFill>
+          <a:blip r:embed="rId5">
+            <a:extLst>
+              <a:ext uri="{28A0092B-C50C-407E-A947-70E740481C1C}">
+                <a14:useLocalDpi xmlns:a14="http://schemas.microsoft.com/office/drawing/2010/main" val="0"/>
+              </a:ext>
+            </a:extLst>
+          </a:blip>
+          <a:stretch>
+            <a:fillRect/>
+          </a:stretch>
+        </p:blipFill>
+        <p:spPr>
+          <a:xfrm>
+            <a:off x="5785424" y="8829160"/>
+            <a:ext cx="261434" cy="261434"/>
+          </a:xfrm>
+          <a:prstGeom prst="rect">
+            <a:avLst/>
+          </a:prstGeom>
+        </p:spPr>
+      </p:pic>
     </p:spTree>
     <p:extLst>
       <p:ext uri="{BB962C8B-B14F-4D97-AF65-F5344CB8AC3E}">
         <p14:creationId xmlns:p14="http://schemas.microsoft.com/office/powerpoint/2010/main" val="3621092764"/>
+      </p:ext>
+    </p:extLst>
+  </p:cSld>
+  <p:clrMapOvr>
+    <a:masterClrMapping/>
+  </p:clrMapOvr>
+</p:sld>
+</file>
+
+<file path=ppt/slides/slide2.xml><?xml version="1.0" encoding="utf-8"?>
+<p:sld xmlns:a="http://schemas.openxmlformats.org/drawingml/2006/main" xmlns:r="http://schemas.openxmlformats.org/officeDocument/2006/relationships" xmlns:p="http://schemas.openxmlformats.org/presentationml/2006/main">
+  <p:cSld>
+    <p:spTree>
+      <p:nvGrpSpPr>
+        <p:cNvPr id="1" name=""/>
+        <p:cNvGrpSpPr/>
+        <p:nvPr/>
+      </p:nvGrpSpPr>
+      <p:grpSpPr>
+        <a:xfrm>
+          <a:off x="0" y="0"/>
+          <a:ext cx="0" cy="0"/>
+          <a:chOff x="0" y="0"/>
+          <a:chExt cx="0" cy="0"/>
+        </a:xfrm>
+      </p:grpSpPr>
+      <p:sp>
+        <p:nvSpPr>
+          <p:cNvPr id="4" name="Textfeld 3">
+            <a:extLst>
+              <a:ext uri="{FF2B5EF4-FFF2-40B4-BE49-F238E27FC236}">
+                <a16:creationId xmlns:a16="http://schemas.microsoft.com/office/drawing/2014/main" id="{01B2FFD3-546C-4524-AA0C-D4A6AD1BAC2A}"/>
+              </a:ext>
+            </a:extLst>
+          </p:cNvPr>
+          <p:cNvSpPr txBox="1"/>
+          <p:nvPr/>
+        </p:nvSpPr>
+        <p:spPr>
+          <a:xfrm>
+            <a:off x="0" y="0"/>
+            <a:ext cx="6982168" cy="2308324"/>
+          </a:xfrm>
+          <a:prstGeom prst="rect">
+            <a:avLst/>
+          </a:prstGeom>
+          <a:noFill/>
+        </p:spPr>
+        <p:txBody>
+          <a:bodyPr wrap="none" rtlCol="0">
+            <a:spAutoFit/>
+          </a:bodyPr>
+          <a:lstStyle/>
+          <a:p>
+            <a:r>
+              <a:rPr lang="de-DE" b="1" dirty="0"/>
+              <a:t>Dokumentationen</a:t>
+            </a:r>
+            <a:r>
+              <a:rPr lang="de-DE" dirty="0"/>
+              <a:t>:</a:t>
+            </a:r>
+          </a:p>
+          <a:p>
+            <a:r>
+              <a:rPr lang="de-DE" dirty="0"/>
+              <a:t>Schweden</a:t>
+            </a:r>
+          </a:p>
+          <a:p>
+            <a:r>
+              <a:rPr lang="de-DE" dirty="0"/>
+              <a:t>Impfung, </a:t>
+            </a:r>
+            <a:r>
+              <a:rPr lang="de-DE" dirty="0" err="1"/>
+              <a:t>Vaxxed</a:t>
+            </a:r>
+            <a:endParaRPr lang="de-DE" dirty="0"/>
+          </a:p>
+          <a:p>
+            <a:r>
+              <a:rPr lang="de-DE" dirty="0"/>
+              <a:t>Angst, Profiteure der Angst</a:t>
+            </a:r>
+          </a:p>
+          <a:p>
+            <a:r>
+              <a:rPr lang="de-DE" dirty="0" err="1"/>
+              <a:t>Infection-Fatility</a:t>
+            </a:r>
+            <a:r>
+              <a:rPr lang="de-DE" dirty="0"/>
+              <a:t> Rate, </a:t>
+            </a:r>
+            <a:r>
+              <a:rPr lang="de-DE" dirty="0">
+                <a:hlinkClick r:id="rId2"/>
+              </a:rPr>
+              <a:t>https://www.youtube.com/watch?v=T-saAuXaPok</a:t>
+            </a:r>
+            <a:endParaRPr lang="de-DE" dirty="0"/>
+          </a:p>
+          <a:p>
+            <a:endParaRPr lang="de-DE" dirty="0"/>
+          </a:p>
+          <a:p>
+            <a:endParaRPr lang="de-DE" dirty="0"/>
+          </a:p>
+          <a:p>
+            <a:endParaRPr lang="de-DE" dirty="0"/>
+          </a:p>
+        </p:txBody>
+      </p:sp>
+    </p:spTree>
+    <p:extLst>
+      <p:ext uri="{BB962C8B-B14F-4D97-AF65-F5344CB8AC3E}">
+        <p14:creationId xmlns:p14="http://schemas.microsoft.com/office/powerpoint/2010/main" val="480044678"/>
       </p:ext>
     </p:extLst>
   </p:cSld>

--- a/flyer/flyer.pptx
+++ b/flyer/flyer.pptx
@@ -3432,15 +3432,16 @@
         </p:nvSpPr>
         <p:spPr>
           <a:xfrm>
-            <a:off x="-12699" y="0"/>
+            <a:off x="-22224" y="0"/>
             <a:ext cx="157532" cy="9143995"/>
           </a:xfrm>
           <a:prstGeom prst="rect">
             <a:avLst/>
           </a:prstGeom>
           <a:solidFill>
-            <a:schemeClr val="bg1">
-              <a:lumMod val="85000"/>
+            <a:schemeClr val="accent1">
+              <a:lumMod val="60000"/>
+              <a:lumOff val="40000"/>
             </a:schemeClr>
           </a:solidFill>
           <a:ln>
@@ -3543,8 +3544,8 @@
         </p:nvSpPr>
         <p:spPr>
           <a:xfrm>
-            <a:off x="-9688" y="1052646"/>
-            <a:ext cx="6867688" cy="614558"/>
+            <a:off x="-19214" y="1052646"/>
+            <a:ext cx="6886737" cy="614558"/>
           </a:xfrm>
           <a:prstGeom prst="rect">
             <a:avLst/>
@@ -3607,7 +3608,7 @@
             <a:avLst/>
           </a:prstGeom>
           <a:solidFill>
-            <a:schemeClr val="accent1">
+            <a:schemeClr val="accent2">
               <a:lumMod val="40000"/>
               <a:lumOff val="60000"/>
             </a:schemeClr>
@@ -3664,10 +3665,7 @@
             <a:avLst/>
           </a:prstGeom>
           <a:solidFill>
-            <a:schemeClr val="accent1">
-              <a:lumMod val="40000"/>
-              <a:lumOff val="60000"/>
-            </a:schemeClr>
+            <a:srgbClr val="E32D88"/>
           </a:solidFill>
           <a:ln>
             <a:noFill/>
@@ -3714,8 +3712,8 @@
         </p:nvSpPr>
         <p:spPr>
           <a:xfrm>
-            <a:off x="706414" y="174143"/>
-            <a:ext cx="5944090" cy="707886"/>
+            <a:off x="605243" y="148998"/>
+            <a:ext cx="6090896" cy="738664"/>
           </a:xfrm>
           <a:prstGeom prst="rect">
             <a:avLst/>
@@ -3730,11 +3728,9 @@
           <a:p>
             <a:pPr algn="ctr"/>
             <a:r>
-              <a:rPr lang="de-DE" sz="2000" b="1" dirty="0">
+              <a:rPr lang="de-DE" sz="2100" b="1" dirty="0">
                 <a:solidFill>
-                  <a:schemeClr val="bg2">
-                    <a:lumMod val="25000"/>
-                  </a:schemeClr>
+                  <a:schemeClr val="bg1"/>
                 </a:solidFill>
                 <a:latin typeface="Sitka Heading" panose="02000505000000020004" pitchFamily="2" charset="0"/>
               </a:rPr>
@@ -3859,13 +3855,13 @@
               <a:rPr lang="de-DE" sz="1100" dirty="0">
                 <a:latin typeface="Sitka Heading" panose="02000505000000020004" pitchFamily="2" charset="0"/>
               </a:rPr>
-              <a:t>Klagepaten						Telegram: </a:t>
+              <a:t>Klagepaten						t.me/</a:t>
             </a:r>
             <a:r>
               <a:rPr lang="de-DE" sz="1100" dirty="0" err="1">
                 <a:latin typeface="Sitka Heading" panose="02000505000000020004" pitchFamily="2" charset="0"/>
               </a:rPr>
-              <a:t>KlagePATEN</a:t>
+              <a:t>KlagePATEN_eu</a:t>
             </a:r>
             <a:endParaRPr lang="de-DE" sz="1100" dirty="0">
               <a:latin typeface="Sitka Heading" panose="02000505000000020004" pitchFamily="2" charset="0"/>
@@ -3876,7 +3872,7 @@
               <a:rPr lang="de-DE" sz="1100" dirty="0">
                 <a:latin typeface="Sitka Heading" panose="02000505000000020004" pitchFamily="2" charset="0"/>
               </a:rPr>
-              <a:t>Querdenken						querdenken-711.de</a:t>
+              <a:t>Querdenken						t.me/QUERDENKEN_711</a:t>
             </a:r>
           </a:p>
           <a:p>
@@ -3939,55 +3935,13 @@
               <a:rPr lang="de-DE" sz="1100" dirty="0">
                 <a:latin typeface="Sitka Heading" panose="02000505000000020004" pitchFamily="2" charset="0"/>
               </a:rPr>
-              <a:t>						mutigmacher.org</a:t>
-            </a:r>
-          </a:p>
-          <a:p>
-            <a:r>
-              <a:rPr lang="de-DE" sz="1500" b="1" dirty="0">
-                <a:latin typeface="Sitka Heading" panose="02000505000000020004" pitchFamily="2" charset="0"/>
-              </a:rPr>
-              <a:t>Unabhängige Journalisten</a:t>
-            </a:r>
-            <a:r>
-              <a:rPr lang="de-DE" sz="1500" dirty="0">
-                <a:latin typeface="Sitka Heading" panose="02000505000000020004" pitchFamily="2" charset="0"/>
-              </a:rPr>
-              <a:t>							</a:t>
-            </a:r>
-          </a:p>
-          <a:p>
-            <a:r>
-              <a:rPr lang="de-DE" sz="1100" dirty="0">
-                <a:latin typeface="Sitka Heading" panose="02000505000000020004" pitchFamily="2" charset="0"/>
-              </a:rPr>
-              <a:t>Bittel TV						bittel.tv	</a:t>
-            </a:r>
-          </a:p>
-          <a:p>
-            <a:r>
-              <a:rPr lang="de-DE" sz="1100" dirty="0">
-                <a:latin typeface="Sitka Heading" panose="02000505000000020004" pitchFamily="2" charset="0"/>
-              </a:rPr>
-              <a:t>Kai </a:t>
+              <a:t>						t.me/</a:t>
             </a:r>
             <a:r>
               <a:rPr lang="de-DE" sz="1100" dirty="0" err="1">
                 <a:latin typeface="Sitka Heading" panose="02000505000000020004" pitchFamily="2" charset="0"/>
               </a:rPr>
-              <a:t>Stuht</a:t>
-            </a:r>
-            <a:r>
-              <a:rPr lang="de-DE" sz="1100" dirty="0">
-                <a:latin typeface="Sitka Heading" panose="02000505000000020004" pitchFamily="2" charset="0"/>
-              </a:rPr>
-              <a:t>						Telegram: Kai </a:t>
-            </a:r>
-            <a:r>
-              <a:rPr lang="de-DE" sz="1100" dirty="0" err="1">
-                <a:latin typeface="Sitka Heading" panose="02000505000000020004" pitchFamily="2" charset="0"/>
-              </a:rPr>
-              <a:t>Stuht</a:t>
+              <a:t>Mutigmacher_Kanal</a:t>
             </a:r>
             <a:endParaRPr lang="de-DE" sz="1100" dirty="0">
               <a:latin typeface="Sitka Heading" panose="02000505000000020004" pitchFamily="2" charset="0"/>
@@ -3995,44 +3949,30 @@
           </a:p>
           <a:p>
             <a:r>
+              <a:rPr lang="de-DE" sz="1500" b="1" dirty="0">
+                <a:latin typeface="Sitka Heading" panose="02000505000000020004" pitchFamily="2" charset="0"/>
+              </a:rPr>
+              <a:t>Unabhängige Journalisten</a:t>
+            </a:r>
+            <a:r>
+              <a:rPr lang="de-DE" sz="1500" dirty="0">
+                <a:latin typeface="Sitka Heading" panose="02000505000000020004" pitchFamily="2" charset="0"/>
+              </a:rPr>
+              <a:t>							</a:t>
+            </a:r>
+          </a:p>
+          <a:p>
+            <a:r>
               <a:rPr lang="de-DE" sz="1100" dirty="0">
                 <a:latin typeface="Sitka Heading" panose="02000505000000020004" pitchFamily="2" charset="0"/>
               </a:rPr>
-              <a:t>Boris Reitschuster					reitschuster.de</a:t>
-            </a:r>
-          </a:p>
-          <a:p>
-            <a:r>
-              <a:rPr lang="de-DE" sz="1100" dirty="0">
-                <a:latin typeface="Sitka Heading" panose="02000505000000020004" pitchFamily="2" charset="0"/>
-              </a:rPr>
-              <a:t>Martin Lejeune						</a:t>
+              <a:t>Bittel TV						t.me/</a:t>
             </a:r>
             <a:r>
               <a:rPr lang="de-DE" sz="1100" dirty="0" err="1">
                 <a:latin typeface="Sitka Heading" panose="02000505000000020004" pitchFamily="2" charset="0"/>
               </a:rPr>
-              <a:t>Youtube</a:t>
-            </a:r>
-            <a:r>
-              <a:rPr lang="de-DE" sz="1100" dirty="0">
-                <a:latin typeface="Sitka Heading" panose="02000505000000020004" pitchFamily="2" charset="0"/>
-              </a:rPr>
-              <a:t>: Martin und Anni</a:t>
-            </a:r>
-          </a:p>
-          <a:p>
-            <a:r>
-              <a:rPr lang="de-DE" sz="1100" dirty="0">
-                <a:latin typeface="Sitka Heading" panose="02000505000000020004" pitchFamily="2" charset="0"/>
-              </a:rPr>
-              <a:t>Rubikon						</a:t>
-            </a:r>
-            <a:r>
-              <a:rPr lang="de-DE" sz="1100" dirty="0" err="1">
-                <a:latin typeface="Sitka Heading" panose="02000505000000020004" pitchFamily="2" charset="0"/>
-              </a:rPr>
-              <a:t>rubikon.news</a:t>
+              <a:t>bitteltv</a:t>
             </a:r>
             <a:endParaRPr lang="de-DE" sz="1100" dirty="0">
               <a:latin typeface="Sitka Heading" panose="02000505000000020004" pitchFamily="2" charset="0"/>
@@ -4043,8 +3983,88 @@
               <a:rPr lang="de-DE" sz="1100" dirty="0">
                 <a:latin typeface="Sitka Heading" panose="02000505000000020004" pitchFamily="2" charset="0"/>
               </a:rPr>
-              <a:t>Samuel Eckert						Telegram: Samuel Eckert</a:t>
-            </a:r>
+              <a:t>Kai </a:t>
+            </a:r>
+            <a:r>
+              <a:rPr lang="de-DE" sz="1100" dirty="0" err="1">
+                <a:latin typeface="Sitka Heading" panose="02000505000000020004" pitchFamily="2" charset="0"/>
+              </a:rPr>
+              <a:t>Stuht</a:t>
+            </a:r>
+            <a:r>
+              <a:rPr lang="de-DE" sz="1100" dirty="0">
+                <a:latin typeface="Sitka Heading" panose="02000505000000020004" pitchFamily="2" charset="0"/>
+              </a:rPr>
+              <a:t>						t.me/</a:t>
+            </a:r>
+            <a:r>
+              <a:rPr lang="de-DE" sz="1100" dirty="0" err="1">
+                <a:latin typeface="Sitka Heading" panose="02000505000000020004" pitchFamily="2" charset="0"/>
+              </a:rPr>
+              <a:t>KaiStuht</a:t>
+            </a:r>
+            <a:endParaRPr lang="de-DE" sz="1100" dirty="0">
+              <a:latin typeface="Sitka Heading" panose="02000505000000020004" pitchFamily="2" charset="0"/>
+            </a:endParaRPr>
+          </a:p>
+          <a:p>
+            <a:r>
+              <a:rPr lang="de-DE" sz="1100" dirty="0">
+                <a:latin typeface="Sitka Heading" panose="02000505000000020004" pitchFamily="2" charset="0"/>
+              </a:rPr>
+              <a:t>Boris Reitschuster					t.me/</a:t>
+            </a:r>
+            <a:r>
+              <a:rPr lang="de-DE" sz="1100" dirty="0" err="1">
+                <a:latin typeface="Sitka Heading" panose="02000505000000020004" pitchFamily="2" charset="0"/>
+              </a:rPr>
+              <a:t>reitschusterde</a:t>
+            </a:r>
+            <a:endParaRPr lang="de-DE" sz="1100" dirty="0">
+              <a:latin typeface="Sitka Heading" panose="02000505000000020004" pitchFamily="2" charset="0"/>
+            </a:endParaRPr>
+          </a:p>
+          <a:p>
+            <a:r>
+              <a:rPr lang="de-DE" sz="1100" dirty="0">
+                <a:latin typeface="Sitka Heading" panose="02000505000000020004" pitchFamily="2" charset="0"/>
+              </a:rPr>
+              <a:t>Martin Lejeune						Martin und Anni</a:t>
+            </a:r>
+          </a:p>
+          <a:p>
+            <a:r>
+              <a:rPr lang="de-DE" sz="1100" dirty="0">
+                <a:latin typeface="Sitka Heading" panose="02000505000000020004" pitchFamily="2" charset="0"/>
+              </a:rPr>
+              <a:t>Rubikon						t.me/</a:t>
+            </a:r>
+            <a:r>
+              <a:rPr lang="de-DE" sz="1100" dirty="0" err="1">
+                <a:latin typeface="Sitka Heading" panose="02000505000000020004" pitchFamily="2" charset="0"/>
+              </a:rPr>
+              <a:t>rubikon_news</a:t>
+            </a:r>
+            <a:endParaRPr lang="de-DE" sz="1100" dirty="0">
+              <a:latin typeface="Sitka Heading" panose="02000505000000020004" pitchFamily="2" charset="0"/>
+            </a:endParaRPr>
+          </a:p>
+          <a:p>
+            <a:r>
+              <a:rPr lang="de-DE" sz="1100" dirty="0">
+                <a:latin typeface="Sitka Heading" panose="02000505000000020004" pitchFamily="2" charset="0"/>
+              </a:rPr>
+              <a:t>Samuel Eckert						t.me/</a:t>
+            </a:r>
+            <a:r>
+              <a:rPr lang="de-DE" sz="1100" dirty="0" err="1">
+                <a:latin typeface="Sitka Heading" panose="02000505000000020004" pitchFamily="2" charset="0"/>
+              </a:rPr>
+              <a:t>samueleckert</a:t>
+            </a:r>
+            <a:endParaRPr lang="de-DE" sz="1100" dirty="0">
+              <a:latin typeface="Sitka Heading" panose="02000505000000020004" pitchFamily="2" charset="0"/>
+            </a:endParaRPr>
           </a:p>
           <a:p>
             <a:r>
@@ -4100,18 +4120,6 @@
               <a:rPr lang="de-DE" sz="1100" dirty="0" err="1">
                 <a:latin typeface="Sitka Heading" panose="02000505000000020004" pitchFamily="2" charset="0"/>
               </a:rPr>
-              <a:t>Youtube</a:t>
-            </a:r>
-            <a:r>
-              <a:rPr lang="de-DE" sz="1100" dirty="0">
-                <a:latin typeface="Sitka Heading" panose="02000505000000020004" pitchFamily="2" charset="0"/>
-              </a:rPr>
-              <a:t>: </a:t>
-            </a:r>
-            <a:r>
-              <a:rPr lang="de-DE" sz="1100" dirty="0" err="1">
-                <a:latin typeface="Sitka Heading" panose="02000505000000020004" pitchFamily="2" charset="0"/>
-              </a:rPr>
               <a:t>Sucharit</a:t>
             </a:r>
             <a:r>
@@ -4155,39 +4163,15 @@
               <a:rPr lang="de-DE" sz="1100" dirty="0">
                 <a:latin typeface="Sitka Heading" panose="02000505000000020004" pitchFamily="2" charset="0"/>
               </a:rPr>
-              <a:t>Dr. Claus Köhnlein					</a:t>
-            </a:r>
-            <a:r>
-              <a:rPr lang="de-DE" sz="1100" dirty="0" err="1">
-                <a:latin typeface="Sitka Heading" panose="02000505000000020004" pitchFamily="2" charset="0"/>
-              </a:rPr>
-              <a:t>Youtube</a:t>
-            </a:r>
+              <a:t>Dr. Claus Köhnlein					Dr. Claus Köhnlein</a:t>
+            </a:r>
+          </a:p>
+          <a:p>
             <a:r>
               <a:rPr lang="de-DE" sz="1100" dirty="0">
                 <a:latin typeface="Sitka Heading" panose="02000505000000020004" pitchFamily="2" charset="0"/>
               </a:rPr>
-              <a:t>: Dr. Claus Köhnlein</a:t>
-            </a:r>
-          </a:p>
-          <a:p>
-            <a:r>
-              <a:rPr lang="de-DE" sz="1100" dirty="0">
-                <a:latin typeface="Sitka Heading" panose="02000505000000020004" pitchFamily="2" charset="0"/>
-              </a:rPr>
-              <a:t>Dr. John Ioannidis					</a:t>
-            </a:r>
-            <a:r>
-              <a:rPr lang="de-DE" sz="1100" dirty="0" err="1">
-                <a:latin typeface="Sitka Heading" panose="02000505000000020004" pitchFamily="2" charset="0"/>
-              </a:rPr>
-              <a:t>Youtube</a:t>
-            </a:r>
-            <a:r>
-              <a:rPr lang="de-DE" sz="1100" dirty="0">
-                <a:latin typeface="Sitka Heading" panose="02000505000000020004" pitchFamily="2" charset="0"/>
-              </a:rPr>
-              <a:t>: Dr. John Ioannidis</a:t>
+              <a:t>Dr. John Ioannidis					Dr. John Ioannidis</a:t>
             </a:r>
           </a:p>
           <a:p>
@@ -4218,7 +4202,7 @@
               <a:rPr lang="de-DE" sz="1100" dirty="0">
                 <a:latin typeface="Sitka Heading" panose="02000505000000020004" pitchFamily="2" charset="0"/>
               </a:rPr>
-              <a:t>						Telegram: RA Markus </a:t>
+              <a:t>						t.me/</a:t>
             </a:r>
             <a:r>
               <a:rPr lang="de-DE" sz="1100" dirty="0" err="1">
@@ -4255,25 +4239,13 @@
               <a:rPr lang="de-DE" sz="1100" dirty="0">
                 <a:latin typeface="Sitka Heading" panose="02000505000000020004" pitchFamily="2" charset="0"/>
               </a:rPr>
-              <a:t>					</a:t>
+              <a:t>					t.me/</a:t>
             </a:r>
             <a:r>
               <a:rPr lang="de-DE" sz="1100" dirty="0" err="1">
                 <a:latin typeface="Sitka Heading" panose="02000505000000020004" pitchFamily="2" charset="0"/>
               </a:rPr>
-              <a:t>Youtube</a:t>
-            </a:r>
-            <a:r>
-              <a:rPr lang="de-DE" sz="1100" dirty="0">
-                <a:latin typeface="Sitka Heading" panose="02000505000000020004" pitchFamily="2" charset="0"/>
-              </a:rPr>
-              <a:t>: Dr. Reiner </a:t>
-            </a:r>
-            <a:r>
-              <a:rPr lang="de-DE" sz="1100" dirty="0" err="1">
-                <a:latin typeface="Sitka Heading" panose="02000505000000020004" pitchFamily="2" charset="0"/>
-              </a:rPr>
-              <a:t>Fuellmich</a:t>
+              <a:t>ReinerFuellmich</a:t>
             </a:r>
             <a:endParaRPr lang="de-DE" sz="1100" dirty="0">
               <a:latin typeface="Sitka Heading" panose="02000505000000020004" pitchFamily="2" charset="0"/>
@@ -4548,7 +4520,14 @@
           <a:prstGeom prst="line">
             <a:avLst/>
           </a:prstGeom>
-          <a:ln w="28575"/>
+          <a:ln w="28575">
+            <a:solidFill>
+              <a:schemeClr val="accent1">
+                <a:lumMod val="60000"/>
+                <a:lumOff val="40000"/>
+              </a:schemeClr>
+            </a:solidFill>
+          </a:ln>
         </p:spPr>
         <p:style>
           <a:lnRef idx="1">
@@ -4581,13 +4560,20 @@
         </p:nvCxnSpPr>
         <p:spPr>
           <a:xfrm>
-            <a:off x="-12700" y="8777226"/>
-            <a:ext cx="6870700" cy="0"/>
+            <a:off x="-14822" y="8758907"/>
+            <a:ext cx="6872822" cy="3329"/>
           </a:xfrm>
           <a:prstGeom prst="line">
             <a:avLst/>
           </a:prstGeom>
-          <a:ln w="28575"/>
+          <a:ln w="28575">
+            <a:solidFill>
+              <a:schemeClr val="accent1">
+                <a:lumMod val="60000"/>
+                <a:lumOff val="40000"/>
+              </a:schemeClr>
+            </a:solidFill>
+          </a:ln>
         </p:spPr>
         <p:style>
           <a:lnRef idx="1">
@@ -4668,7 +4654,7 @@
         </p:blipFill>
         <p:spPr>
           <a:xfrm>
-            <a:off x="418407" y="344553"/>
+            <a:off x="226904" y="349591"/>
             <a:ext cx="337478" cy="337478"/>
           </a:xfrm>
           <a:prstGeom prst="rect">
@@ -4742,6 +4728,510 @@
           <a:xfrm>
             <a:off x="5785424" y="8829160"/>
             <a:ext cx="261434" cy="261434"/>
+          </a:xfrm>
+          <a:prstGeom prst="rect">
+            <a:avLst/>
+          </a:prstGeom>
+        </p:spPr>
+      </p:pic>
+      <p:pic>
+        <p:nvPicPr>
+          <p:cNvPr id="3" name="Grafik 2">
+            <a:extLst>
+              <a:ext uri="{FF2B5EF4-FFF2-40B4-BE49-F238E27FC236}">
+                <a16:creationId xmlns:a16="http://schemas.microsoft.com/office/drawing/2014/main" id="{0E8D003C-D491-48C4-A5F9-1BD2D90A7F4F}"/>
+              </a:ext>
+            </a:extLst>
+          </p:cNvPr>
+          <p:cNvPicPr>
+            <a:picLocks noChangeAspect="1"/>
+          </p:cNvPicPr>
+          <p:nvPr/>
+        </p:nvPicPr>
+        <p:blipFill>
+          <a:blip r:embed="rId3">
+            <a:extLst>
+              <a:ext uri="{28A0092B-C50C-407E-A947-70E740481C1C}">
+                <a14:useLocalDpi xmlns:a14="http://schemas.microsoft.com/office/drawing/2010/main" val="0"/>
+              </a:ext>
+            </a:extLst>
+          </a:blip>
+          <a:stretch>
+            <a:fillRect/>
+          </a:stretch>
+        </p:blipFill>
+        <p:spPr>
+          <a:xfrm>
+            <a:off x="3641166" y="2180347"/>
+            <a:ext cx="128829" cy="128829"/>
+          </a:xfrm>
+          <a:prstGeom prst="rect">
+            <a:avLst/>
+          </a:prstGeom>
+        </p:spPr>
+      </p:pic>
+      <p:pic>
+        <p:nvPicPr>
+          <p:cNvPr id="24" name="Grafik 23">
+            <a:extLst>
+              <a:ext uri="{FF2B5EF4-FFF2-40B4-BE49-F238E27FC236}">
+                <a16:creationId xmlns:a16="http://schemas.microsoft.com/office/drawing/2014/main" id="{0FDC5F74-CD27-4020-B91F-86573B0CF60D}"/>
+              </a:ext>
+            </a:extLst>
+          </p:cNvPr>
+          <p:cNvPicPr>
+            <a:picLocks noChangeAspect="1"/>
+          </p:cNvPicPr>
+          <p:nvPr/>
+        </p:nvPicPr>
+        <p:blipFill>
+          <a:blip r:embed="rId3">
+            <a:extLst>
+              <a:ext uri="{28A0092B-C50C-407E-A947-70E740481C1C}">
+                <a14:useLocalDpi xmlns:a14="http://schemas.microsoft.com/office/drawing/2010/main" val="0"/>
+              </a:ext>
+            </a:extLst>
+          </a:blip>
+          <a:stretch>
+            <a:fillRect/>
+          </a:stretch>
+        </p:blipFill>
+        <p:spPr>
+          <a:xfrm>
+            <a:off x="3641166" y="3918277"/>
+            <a:ext cx="128829" cy="128829"/>
+          </a:xfrm>
+          <a:prstGeom prst="rect">
+            <a:avLst/>
+          </a:prstGeom>
+        </p:spPr>
+      </p:pic>
+      <p:pic>
+        <p:nvPicPr>
+          <p:cNvPr id="25" name="Grafik 24">
+            <a:extLst>
+              <a:ext uri="{FF2B5EF4-FFF2-40B4-BE49-F238E27FC236}">
+                <a16:creationId xmlns:a16="http://schemas.microsoft.com/office/drawing/2014/main" id="{C15C88FA-9EFB-4E3D-9628-1E5DBE3F653A}"/>
+              </a:ext>
+            </a:extLst>
+          </p:cNvPr>
+          <p:cNvPicPr>
+            <a:picLocks noChangeAspect="1"/>
+          </p:cNvPicPr>
+          <p:nvPr/>
+        </p:nvPicPr>
+        <p:blipFill>
+          <a:blip r:embed="rId3">
+            <a:extLst>
+              <a:ext uri="{28A0092B-C50C-407E-A947-70E740481C1C}">
+                <a14:useLocalDpi xmlns:a14="http://schemas.microsoft.com/office/drawing/2010/main" val="0"/>
+              </a:ext>
+            </a:extLst>
+          </a:blip>
+          <a:stretch>
+            <a:fillRect/>
+          </a:stretch>
+        </p:blipFill>
+        <p:spPr>
+          <a:xfrm>
+            <a:off x="3641166" y="6051877"/>
+            <a:ext cx="128829" cy="128829"/>
+          </a:xfrm>
+          <a:prstGeom prst="rect">
+            <a:avLst/>
+          </a:prstGeom>
+        </p:spPr>
+      </p:pic>
+      <p:pic>
+        <p:nvPicPr>
+          <p:cNvPr id="32" name="Grafik 31">
+            <a:extLst>
+              <a:ext uri="{FF2B5EF4-FFF2-40B4-BE49-F238E27FC236}">
+                <a16:creationId xmlns:a16="http://schemas.microsoft.com/office/drawing/2014/main" id="{29DD2318-CB11-443C-9649-994F4369FED9}"/>
+              </a:ext>
+            </a:extLst>
+          </p:cNvPr>
+          <p:cNvPicPr>
+            <a:picLocks noChangeAspect="1"/>
+          </p:cNvPicPr>
+          <p:nvPr/>
+        </p:nvPicPr>
+        <p:blipFill>
+          <a:blip r:embed="rId6">
+            <a:extLst>
+              <a:ext uri="{28A0092B-C50C-407E-A947-70E740481C1C}">
+                <a14:useLocalDpi xmlns:a14="http://schemas.microsoft.com/office/drawing/2010/main" val="0"/>
+              </a:ext>
+            </a:extLst>
+          </a:blip>
+          <a:stretch>
+            <a:fillRect/>
+          </a:stretch>
+        </p:blipFill>
+        <p:spPr>
+          <a:xfrm>
+            <a:off x="3620609" y="4224593"/>
+            <a:ext cx="158911" cy="158911"/>
+          </a:xfrm>
+          <a:prstGeom prst="rect">
+            <a:avLst/>
+          </a:prstGeom>
+        </p:spPr>
+      </p:pic>
+      <p:pic>
+        <p:nvPicPr>
+          <p:cNvPr id="34" name="Grafik 33">
+            <a:extLst>
+              <a:ext uri="{FF2B5EF4-FFF2-40B4-BE49-F238E27FC236}">
+                <a16:creationId xmlns:a16="http://schemas.microsoft.com/office/drawing/2014/main" id="{7F1B8295-8989-4993-AE3D-C6AC737C6A0B}"/>
+              </a:ext>
+            </a:extLst>
+          </p:cNvPr>
+          <p:cNvPicPr>
+            <a:picLocks noChangeAspect="1"/>
+          </p:cNvPicPr>
+          <p:nvPr/>
+        </p:nvPicPr>
+        <p:blipFill>
+          <a:blip r:embed="rId6">
+            <a:extLst>
+              <a:ext uri="{28A0092B-C50C-407E-A947-70E740481C1C}">
+                <a14:useLocalDpi xmlns:a14="http://schemas.microsoft.com/office/drawing/2010/main" val="0"/>
+              </a:ext>
+            </a:extLst>
+          </a:blip>
+          <a:stretch>
+            <a:fillRect/>
+          </a:stretch>
+        </p:blipFill>
+        <p:spPr>
+          <a:xfrm>
+            <a:off x="3620608" y="5133472"/>
+            <a:ext cx="158911" cy="158911"/>
+          </a:xfrm>
+          <a:prstGeom prst="rect">
+            <a:avLst/>
+          </a:prstGeom>
+        </p:spPr>
+      </p:pic>
+      <p:pic>
+        <p:nvPicPr>
+          <p:cNvPr id="36" name="Grafik 35">
+            <a:extLst>
+              <a:ext uri="{FF2B5EF4-FFF2-40B4-BE49-F238E27FC236}">
+                <a16:creationId xmlns:a16="http://schemas.microsoft.com/office/drawing/2014/main" id="{C782DD9C-39C6-4698-968E-DD82FB86E2C2}"/>
+              </a:ext>
+            </a:extLst>
+          </p:cNvPr>
+          <p:cNvPicPr>
+            <a:picLocks noChangeAspect="1"/>
+          </p:cNvPicPr>
+          <p:nvPr/>
+        </p:nvPicPr>
+        <p:blipFill>
+          <a:blip r:embed="rId6">
+            <a:extLst>
+              <a:ext uri="{28A0092B-C50C-407E-A947-70E740481C1C}">
+                <a14:useLocalDpi xmlns:a14="http://schemas.microsoft.com/office/drawing/2010/main" val="0"/>
+              </a:ext>
+            </a:extLst>
+          </a:blip>
+          <a:stretch>
+            <a:fillRect/>
+          </a:stretch>
+        </p:blipFill>
+        <p:spPr>
+          <a:xfrm>
+            <a:off x="3620608" y="5471059"/>
+            <a:ext cx="158911" cy="158911"/>
+          </a:xfrm>
+          <a:prstGeom prst="rect">
+            <a:avLst/>
+          </a:prstGeom>
+        </p:spPr>
+      </p:pic>
+      <p:pic>
+        <p:nvPicPr>
+          <p:cNvPr id="37" name="Grafik 36">
+            <a:extLst>
+              <a:ext uri="{FF2B5EF4-FFF2-40B4-BE49-F238E27FC236}">
+                <a16:creationId xmlns:a16="http://schemas.microsoft.com/office/drawing/2014/main" id="{413073BD-BD98-442D-8BC4-70BE76A49EB9}"/>
+              </a:ext>
+            </a:extLst>
+          </p:cNvPr>
+          <p:cNvPicPr>
+            <a:picLocks noChangeAspect="1"/>
+          </p:cNvPicPr>
+          <p:nvPr/>
+        </p:nvPicPr>
+        <p:blipFill>
+          <a:blip r:embed="rId6">
+            <a:extLst>
+              <a:ext uri="{28A0092B-C50C-407E-A947-70E740481C1C}">
+                <a14:useLocalDpi xmlns:a14="http://schemas.microsoft.com/office/drawing/2010/main" val="0"/>
+              </a:ext>
+            </a:extLst>
+          </a:blip>
+          <a:stretch>
+            <a:fillRect/>
+          </a:stretch>
+        </p:blipFill>
+        <p:spPr>
+          <a:xfrm>
+            <a:off x="3620608" y="5637509"/>
+            <a:ext cx="158911" cy="158911"/>
+          </a:xfrm>
+          <a:prstGeom prst="rect">
+            <a:avLst/>
+          </a:prstGeom>
+        </p:spPr>
+      </p:pic>
+      <p:pic>
+        <p:nvPicPr>
+          <p:cNvPr id="38" name="Grafik 37">
+            <a:extLst>
+              <a:ext uri="{FF2B5EF4-FFF2-40B4-BE49-F238E27FC236}">
+                <a16:creationId xmlns:a16="http://schemas.microsoft.com/office/drawing/2014/main" id="{40F060B6-A208-4956-BA33-F135940F59D5}"/>
+              </a:ext>
+            </a:extLst>
+          </p:cNvPr>
+          <p:cNvPicPr>
+            <a:picLocks noChangeAspect="1"/>
+          </p:cNvPicPr>
+          <p:nvPr/>
+        </p:nvPicPr>
+        <p:blipFill>
+          <a:blip r:embed="rId3">
+            <a:extLst>
+              <a:ext uri="{28A0092B-C50C-407E-A947-70E740481C1C}">
+                <a14:useLocalDpi xmlns:a14="http://schemas.microsoft.com/office/drawing/2010/main" val="0"/>
+              </a:ext>
+            </a:extLst>
+          </a:blip>
+          <a:stretch>
+            <a:fillRect/>
+          </a:stretch>
+        </p:blipFill>
+        <p:spPr>
+          <a:xfrm>
+            <a:off x="3641166" y="2342081"/>
+            <a:ext cx="128829" cy="128829"/>
+          </a:xfrm>
+          <a:prstGeom prst="rect">
+            <a:avLst/>
+          </a:prstGeom>
+        </p:spPr>
+      </p:pic>
+      <p:pic>
+        <p:nvPicPr>
+          <p:cNvPr id="48" name="Grafik 47">
+            <a:extLst>
+              <a:ext uri="{FF2B5EF4-FFF2-40B4-BE49-F238E27FC236}">
+                <a16:creationId xmlns:a16="http://schemas.microsoft.com/office/drawing/2014/main" id="{3A5C90F0-9DF6-4380-8E3C-91DEBF0F7CC5}"/>
+              </a:ext>
+            </a:extLst>
+          </p:cNvPr>
+          <p:cNvPicPr>
+            <a:picLocks noChangeAspect="1"/>
+          </p:cNvPicPr>
+          <p:nvPr/>
+        </p:nvPicPr>
+        <p:blipFill>
+          <a:blip r:embed="rId3">
+            <a:extLst>
+              <a:ext uri="{28A0092B-C50C-407E-A947-70E740481C1C}">
+                <a14:useLocalDpi xmlns:a14="http://schemas.microsoft.com/office/drawing/2010/main" val="0"/>
+              </a:ext>
+            </a:extLst>
+          </a:blip>
+          <a:stretch>
+            <a:fillRect/>
+          </a:stretch>
+        </p:blipFill>
+        <p:spPr>
+          <a:xfrm>
+            <a:off x="3641166" y="3352500"/>
+            <a:ext cx="128829" cy="128829"/>
+          </a:xfrm>
+          <a:prstGeom prst="rect">
+            <a:avLst/>
+          </a:prstGeom>
+        </p:spPr>
+      </p:pic>
+      <p:pic>
+        <p:nvPicPr>
+          <p:cNvPr id="50" name="Grafik 49">
+            <a:extLst>
+              <a:ext uri="{FF2B5EF4-FFF2-40B4-BE49-F238E27FC236}">
+                <a16:creationId xmlns:a16="http://schemas.microsoft.com/office/drawing/2014/main" id="{37F5467A-7A5A-46C5-9F06-08094A568B9E}"/>
+              </a:ext>
+            </a:extLst>
+          </p:cNvPr>
+          <p:cNvPicPr>
+            <a:picLocks noChangeAspect="1"/>
+          </p:cNvPicPr>
+          <p:nvPr/>
+        </p:nvPicPr>
+        <p:blipFill>
+          <a:blip r:embed="rId3">
+            <a:extLst>
+              <a:ext uri="{28A0092B-C50C-407E-A947-70E740481C1C}">
+                <a14:useLocalDpi xmlns:a14="http://schemas.microsoft.com/office/drawing/2010/main" val="0"/>
+              </a:ext>
+            </a:extLst>
+          </a:blip>
+          <a:stretch>
+            <a:fillRect/>
+          </a:stretch>
+        </p:blipFill>
+        <p:spPr>
+          <a:xfrm>
+            <a:off x="3641166" y="3751194"/>
+            <a:ext cx="128829" cy="128829"/>
+          </a:xfrm>
+          <a:prstGeom prst="rect">
+            <a:avLst/>
+          </a:prstGeom>
+        </p:spPr>
+      </p:pic>
+      <p:pic>
+        <p:nvPicPr>
+          <p:cNvPr id="52" name="Grafik 51">
+            <a:extLst>
+              <a:ext uri="{FF2B5EF4-FFF2-40B4-BE49-F238E27FC236}">
+                <a16:creationId xmlns:a16="http://schemas.microsoft.com/office/drawing/2014/main" id="{8796FDE5-F118-4578-BB20-6DDFA2761607}"/>
+              </a:ext>
+            </a:extLst>
+          </p:cNvPr>
+          <p:cNvPicPr>
+            <a:picLocks noChangeAspect="1"/>
+          </p:cNvPicPr>
+          <p:nvPr/>
+        </p:nvPicPr>
+        <p:blipFill>
+          <a:blip r:embed="rId3">
+            <a:extLst>
+              <a:ext uri="{28A0092B-C50C-407E-A947-70E740481C1C}">
+                <a14:useLocalDpi xmlns:a14="http://schemas.microsoft.com/office/drawing/2010/main" val="0"/>
+              </a:ext>
+            </a:extLst>
+          </a:blip>
+          <a:stretch>
+            <a:fillRect/>
+          </a:stretch>
+        </p:blipFill>
+        <p:spPr>
+          <a:xfrm>
+            <a:off x="3641166" y="4581958"/>
+            <a:ext cx="128829" cy="128829"/>
+          </a:xfrm>
+          <a:prstGeom prst="rect">
+            <a:avLst/>
+          </a:prstGeom>
+        </p:spPr>
+      </p:pic>
+      <p:pic>
+        <p:nvPicPr>
+          <p:cNvPr id="54" name="Grafik 53">
+            <a:extLst>
+              <a:ext uri="{FF2B5EF4-FFF2-40B4-BE49-F238E27FC236}">
+                <a16:creationId xmlns:a16="http://schemas.microsoft.com/office/drawing/2014/main" id="{9E06BE33-2974-4CB2-98AD-EE22DF5DD8A4}"/>
+              </a:ext>
+            </a:extLst>
+          </p:cNvPr>
+          <p:cNvPicPr>
+            <a:picLocks noChangeAspect="1"/>
+          </p:cNvPicPr>
+          <p:nvPr/>
+        </p:nvPicPr>
+        <p:blipFill>
+          <a:blip r:embed="rId3">
+            <a:extLst>
+              <a:ext uri="{28A0092B-C50C-407E-A947-70E740481C1C}">
+                <a14:useLocalDpi xmlns:a14="http://schemas.microsoft.com/office/drawing/2010/main" val="0"/>
+              </a:ext>
+            </a:extLst>
+          </a:blip>
+          <a:stretch>
+            <a:fillRect/>
+          </a:stretch>
+        </p:blipFill>
+        <p:spPr>
+          <a:xfrm>
+            <a:off x="3641166" y="6382969"/>
+            <a:ext cx="128829" cy="128829"/>
+          </a:xfrm>
+          <a:prstGeom prst="rect">
+            <a:avLst/>
+          </a:prstGeom>
+        </p:spPr>
+      </p:pic>
+      <p:pic>
+        <p:nvPicPr>
+          <p:cNvPr id="56" name="Grafik 55">
+            <a:extLst>
+              <a:ext uri="{FF2B5EF4-FFF2-40B4-BE49-F238E27FC236}">
+                <a16:creationId xmlns:a16="http://schemas.microsoft.com/office/drawing/2014/main" id="{F993953E-CBD3-4840-93FE-181763C29FB2}"/>
+              </a:ext>
+            </a:extLst>
+          </p:cNvPr>
+          <p:cNvPicPr>
+            <a:picLocks noChangeAspect="1"/>
+          </p:cNvPicPr>
+          <p:nvPr/>
+        </p:nvPicPr>
+        <p:blipFill>
+          <a:blip r:embed="rId3">
+            <a:extLst>
+              <a:ext uri="{28A0092B-C50C-407E-A947-70E740481C1C}">
+                <a14:useLocalDpi xmlns:a14="http://schemas.microsoft.com/office/drawing/2010/main" val="0"/>
+              </a:ext>
+            </a:extLst>
+          </a:blip>
+          <a:stretch>
+            <a:fillRect/>
+          </a:stretch>
+        </p:blipFill>
+        <p:spPr>
+          <a:xfrm>
+            <a:off x="3641166" y="4421236"/>
+            <a:ext cx="128829" cy="128829"/>
+          </a:xfrm>
+          <a:prstGeom prst="rect">
+            <a:avLst/>
+          </a:prstGeom>
+        </p:spPr>
+      </p:pic>
+      <p:pic>
+        <p:nvPicPr>
+          <p:cNvPr id="58" name="Grafik 57">
+            <a:extLst>
+              <a:ext uri="{FF2B5EF4-FFF2-40B4-BE49-F238E27FC236}">
+                <a16:creationId xmlns:a16="http://schemas.microsoft.com/office/drawing/2014/main" id="{4D9539F8-2417-4084-BDFA-C9A8EC9ADAFE}"/>
+              </a:ext>
+            </a:extLst>
+          </p:cNvPr>
+          <p:cNvPicPr>
+            <a:picLocks noChangeAspect="1"/>
+          </p:cNvPicPr>
+          <p:nvPr/>
+        </p:nvPicPr>
+        <p:blipFill>
+          <a:blip r:embed="rId3">
+            <a:extLst>
+              <a:ext uri="{28A0092B-C50C-407E-A947-70E740481C1C}">
+                <a14:useLocalDpi xmlns:a14="http://schemas.microsoft.com/office/drawing/2010/main" val="0"/>
+              </a:ext>
+            </a:extLst>
+          </a:blip>
+          <a:stretch>
+            <a:fillRect/>
+          </a:stretch>
+        </p:blipFill>
+        <p:spPr>
+          <a:xfrm>
+            <a:off x="3641166" y="4090115"/>
+            <a:ext cx="128829" cy="128829"/>
           </a:xfrm>
           <a:prstGeom prst="rect">
             <a:avLst/>
